--- a/2022-05-11-NDCLondon-DatabaseDevOps/database-devops.pptx
+++ b/2022-05-11-NDCLondon-DatabaseDevOps/database-devops.pptx
@@ -9136,51 +9136,6 @@
           <a:chExt cx="0" cy="0"/>
         </a:xfrm>
       </p:grpSpPr>
-      <p:sp>
-        <p:nvSpPr>
-          <p:cNvPr id="2" name="Title 1"/>
-          <p:cNvSpPr>
-            <a:spLocks noGrp="1"/>
-          </p:cNvSpPr>
-          <p:nvPr>
-            <p:ph type="title"/>
-          </p:nvPr>
-        </p:nvSpPr>
-        <p:spPr/>
-        <p:txBody>
-          <a:bodyPr/>
-          <a:lstStyle/>
-          <a:p>
-            <a:r>
-              <a:rPr lang="en-US" dirty="0">
-                <a:solidFill>
-                  <a:schemeClr val="bg1">
-                    <a:lumMod val="65000"/>
-                  </a:schemeClr>
-                </a:solidFill>
-              </a:rPr>
-              <a:t>Desired Outputs of Database </a:t>
-            </a:r>
-            <a:r>
-              <a:rPr lang="en-US" dirty="0" err="1">
-                <a:solidFill>
-                  <a:schemeClr val="bg1">
-                    <a:lumMod val="65000"/>
-                  </a:schemeClr>
-                </a:solidFill>
-              </a:rPr>
-              <a:t>DevOpsifying</a:t>
-            </a:r>
-            <a:endParaRPr lang="en-US" dirty="0">
-              <a:solidFill>
-                <a:schemeClr val="bg1">
-                  <a:lumMod val="65000"/>
-                </a:schemeClr>
-              </a:solidFill>
-            </a:endParaRPr>
-          </a:p>
-        </p:txBody>
-      </p:sp>
       <p:grpSp>
         <p:nvGrpSpPr>
           <p:cNvPr id="12" name="Group 11">
@@ -9494,8 +9449,8 @@
         </p:blipFill>
         <p:spPr>
           <a:xfrm>
-            <a:off x="1691753" y="1647739"/>
-            <a:ext cx="8278898" cy="5011994"/>
+            <a:off x="1000013" y="230951"/>
+            <a:ext cx="9879428" cy="5980945"/>
           </a:xfrm>
           <a:prstGeom prst="rect">
             <a:avLst/>
@@ -9516,8 +9471,8 @@
         </p:nvSpPr>
         <p:spPr>
           <a:xfrm>
-            <a:off x="4352982" y="2359919"/>
-            <a:ext cx="5393317" cy="503744"/>
+            <a:off x="4336154" y="1077085"/>
+            <a:ext cx="6109324" cy="605859"/>
           </a:xfrm>
           <a:prstGeom prst="rect">
             <a:avLst/>
@@ -9568,8 +9523,8 @@
         </p:nvSpPr>
         <p:spPr>
           <a:xfrm>
-            <a:off x="4352982" y="2909497"/>
-            <a:ext cx="5393317" cy="503744"/>
+            <a:off x="4336153" y="1725821"/>
+            <a:ext cx="6109324" cy="558395"/>
           </a:xfrm>
           <a:prstGeom prst="rect">
             <a:avLst/>
@@ -9620,8 +9575,8 @@
         </p:nvSpPr>
         <p:spPr>
           <a:xfrm>
-            <a:off x="3134544" y="5415806"/>
-            <a:ext cx="4728202" cy="503744"/>
+            <a:off x="2971860" y="4734686"/>
+            <a:ext cx="5078226" cy="605859"/>
           </a:xfrm>
           <a:prstGeom prst="rect">
             <a:avLst/>
@@ -9927,8 +9882,16 @@
           </a:xfrm>
         </p:spPr>
         <p:txBody>
-          <a:bodyPr/>
+          <a:bodyPr>
+            <a:normAutofit/>
+          </a:bodyPr>
           <a:lstStyle/>
+          <a:p>
+            <a:r>
+              <a:rPr lang="en-US" dirty="0"/>
+              <a:t>72%+ of companies do not have automated builds and deploys for their databases</a:t>
+            </a:r>
+          </a:p>
           <a:p>
             <a:r>
               <a:rPr lang="en-US" dirty="0"/>
@@ -10451,15 +10414,33 @@
                                   </p:subTnLst>
                                 </p:cTn>
                               </p:par>
+                            </p:childTnLst>
+                          </p:cTn>
+                        </p:par>
+                      </p:childTnLst>
+                    </p:cTn>
+                  </p:par>
+                  <p:par>
+                    <p:cTn id="13" fill="hold">
+                      <p:stCondLst>
+                        <p:cond delay="indefinite"/>
+                      </p:stCondLst>
+                      <p:childTnLst>
+                        <p:par>
+                          <p:cTn id="14" fill="hold">
+                            <p:stCondLst>
+                              <p:cond delay="0"/>
+                            </p:stCondLst>
+                            <p:childTnLst>
                               <p:par>
-                                <p:cTn id="13" presetID="10" presetClass="entr" presetSubtype="0" fill="hold" grpId="0" nodeType="withEffect">
+                                <p:cTn id="15" presetID="10" presetClass="entr" presetSubtype="0" fill="hold" grpId="0" nodeType="clickEffect">
                                   <p:stCondLst>
                                     <p:cond delay="0"/>
                                   </p:stCondLst>
                                   <p:childTnLst>
                                     <p:set>
                                       <p:cBhvr>
-                                        <p:cTn id="14" dur="1" fill="hold">
+                                        <p:cTn id="16" dur="1" fill="hold">
                                           <p:stCondLst>
                                             <p:cond delay="0"/>
                                           </p:stCondLst>
@@ -10481,7 +10462,7 @@
                                     </p:set>
                                     <p:animEffect transition="in" filter="fade">
                                       <p:cBhvr>
-                                        <p:cTn id="15" dur="500"/>
+                                        <p:cTn id="17" dur="500"/>
                                         <p:tgtEl>
                                           <p:spTgt spid="3">
                                             <p:txEl>
@@ -10514,26 +10495,8 @@
                                   </p:subTnLst>
                                 </p:cTn>
                               </p:par>
-                            </p:childTnLst>
-                          </p:cTn>
-                        </p:par>
-                      </p:childTnLst>
-                    </p:cTn>
-                  </p:par>
-                  <p:par>
-                    <p:cTn id="16" fill="hold">
-                      <p:stCondLst>
-                        <p:cond delay="indefinite"/>
-                      </p:stCondLst>
-                      <p:childTnLst>
-                        <p:par>
-                          <p:cTn id="17" fill="hold">
-                            <p:stCondLst>
-                              <p:cond delay="0"/>
-                            </p:stCondLst>
-                            <p:childTnLst>
                               <p:par>
-                                <p:cTn id="18" presetID="10" presetClass="entr" presetSubtype="0" fill="hold" grpId="0" nodeType="clickEffect">
+                                <p:cTn id="18" presetID="10" presetClass="entr" presetSubtype="0" fill="hold" grpId="0" nodeType="withEffect">
                                   <p:stCondLst>
                                     <p:cond delay="0"/>
                                   </p:stCondLst>
@@ -10743,6 +10706,87 @@
                                           <p:spTgt spid="3">
                                             <p:txEl>
                                               <p:pRg st="5" end="5"/>
+                                            </p:txEl>
+                                          </p:spTgt>
+                                        </p:tgtEl>
+                                        <p:attrNameLst>
+                                          <p:attrName>ppt_c</p:attrName>
+                                        </p:attrNameLst>
+                                      </p:cBhvr>
+                                      <p:to>
+                                        <a:srgbClr val="B2B2B2"/>
+                                      </p:to>
+                                    </p:animClr>
+                                  </p:subTnLst>
+                                </p:cTn>
+                              </p:par>
+                            </p:childTnLst>
+                          </p:cTn>
+                        </p:par>
+                      </p:childTnLst>
+                    </p:cTn>
+                  </p:par>
+                  <p:par>
+                    <p:cTn id="31" fill="hold">
+                      <p:stCondLst>
+                        <p:cond delay="indefinite"/>
+                      </p:stCondLst>
+                      <p:childTnLst>
+                        <p:par>
+                          <p:cTn id="32" fill="hold">
+                            <p:stCondLst>
+                              <p:cond delay="0"/>
+                            </p:stCondLst>
+                            <p:childTnLst>
+                              <p:par>
+                                <p:cTn id="33" presetID="10" presetClass="entr" presetSubtype="0" fill="hold" grpId="0" nodeType="clickEffect">
+                                  <p:stCondLst>
+                                    <p:cond delay="0"/>
+                                  </p:stCondLst>
+                                  <p:childTnLst>
+                                    <p:set>
+                                      <p:cBhvr>
+                                        <p:cTn id="34" dur="1" fill="hold">
+                                          <p:stCondLst>
+                                            <p:cond delay="0"/>
+                                          </p:stCondLst>
+                                        </p:cTn>
+                                        <p:tgtEl>
+                                          <p:spTgt spid="3">
+                                            <p:txEl>
+                                              <p:pRg st="6" end="6"/>
+                                            </p:txEl>
+                                          </p:spTgt>
+                                        </p:tgtEl>
+                                        <p:attrNameLst>
+                                          <p:attrName>style.visibility</p:attrName>
+                                        </p:attrNameLst>
+                                      </p:cBhvr>
+                                      <p:to>
+                                        <p:strVal val="visible"/>
+                                      </p:to>
+                                    </p:set>
+                                    <p:animEffect transition="in" filter="fade">
+                                      <p:cBhvr>
+                                        <p:cTn id="35" dur="500"/>
+                                        <p:tgtEl>
+                                          <p:spTgt spid="3">
+                                            <p:txEl>
+                                              <p:pRg st="6" end="6"/>
+                                            </p:txEl>
+                                          </p:spTgt>
+                                        </p:tgtEl>
+                                      </p:cBhvr>
+                                    </p:animEffect>
+                                  </p:childTnLst>
+                                  <p:subTnLst>
+                                    <p:animClr clrSpc="rgb" dir="cw">
+                                      <p:cBhvr override="childStyle">
+                                        <p:cTn dur="1" fill="hold" display="0" masterRel="nextClick" afterEffect="1"/>
+                                        <p:tgtEl>
+                                          <p:spTgt spid="3">
+                                            <p:txEl>
+                                              <p:pRg st="6" end="6"/>
                                             </p:txEl>
                                           </p:spTgt>
                                         </p:tgtEl>
@@ -10850,12 +10894,6 @@
         <p:txBody>
           <a:bodyPr/>
           <a:lstStyle/>
-          <a:p>
-            <a:r>
-              <a:rPr lang="en-US" dirty="0"/>
-              <a:t>72%+ of companies do not have automated builds and deploys for their databases</a:t>
-            </a:r>
-          </a:p>
           <a:p>
             <a:r>
               <a:rPr lang="en-US" dirty="0"/>
@@ -11428,87 +11466,6 @@
                       </p:childTnLst>
                     </p:cTn>
                   </p:par>
-                  <p:par>
-                    <p:cTn id="18" fill="hold">
-                      <p:stCondLst>
-                        <p:cond delay="indefinite"/>
-                      </p:stCondLst>
-                      <p:childTnLst>
-                        <p:par>
-                          <p:cTn id="19" fill="hold">
-                            <p:stCondLst>
-                              <p:cond delay="0"/>
-                            </p:stCondLst>
-                            <p:childTnLst>
-                              <p:par>
-                                <p:cTn id="20" presetID="10" presetClass="entr" presetSubtype="0" fill="hold" grpId="0" nodeType="clickEffect">
-                                  <p:stCondLst>
-                                    <p:cond delay="0"/>
-                                  </p:stCondLst>
-                                  <p:childTnLst>
-                                    <p:set>
-                                      <p:cBhvr>
-                                        <p:cTn id="21" dur="1" fill="hold">
-                                          <p:stCondLst>
-                                            <p:cond delay="0"/>
-                                          </p:stCondLst>
-                                        </p:cTn>
-                                        <p:tgtEl>
-                                          <p:spTgt spid="3">
-                                            <p:txEl>
-                                              <p:pRg st="3" end="3"/>
-                                            </p:txEl>
-                                          </p:spTgt>
-                                        </p:tgtEl>
-                                        <p:attrNameLst>
-                                          <p:attrName>style.visibility</p:attrName>
-                                        </p:attrNameLst>
-                                      </p:cBhvr>
-                                      <p:to>
-                                        <p:strVal val="visible"/>
-                                      </p:to>
-                                    </p:set>
-                                    <p:animEffect transition="in" filter="fade">
-                                      <p:cBhvr>
-                                        <p:cTn id="22" dur="500"/>
-                                        <p:tgtEl>
-                                          <p:spTgt spid="3">
-                                            <p:txEl>
-                                              <p:pRg st="3" end="3"/>
-                                            </p:txEl>
-                                          </p:spTgt>
-                                        </p:tgtEl>
-                                      </p:cBhvr>
-                                    </p:animEffect>
-                                  </p:childTnLst>
-                                  <p:subTnLst>
-                                    <p:animClr clrSpc="rgb" dir="cw">
-                                      <p:cBhvr override="childStyle">
-                                        <p:cTn dur="1" fill="hold" display="0" masterRel="nextClick" afterEffect="1"/>
-                                        <p:tgtEl>
-                                          <p:spTgt spid="3">
-                                            <p:txEl>
-                                              <p:pRg st="3" end="3"/>
-                                            </p:txEl>
-                                          </p:spTgt>
-                                        </p:tgtEl>
-                                        <p:attrNameLst>
-                                          <p:attrName>ppt_c</p:attrName>
-                                        </p:attrNameLst>
-                                      </p:cBhvr>
-                                      <p:to>
-                                        <a:srgbClr val="B2B2B2"/>
-                                      </p:to>
-                                    </p:animClr>
-                                  </p:subTnLst>
-                                </p:cTn>
-                              </p:par>
-                            </p:childTnLst>
-                          </p:cTn>
-                        </p:par>
-                      </p:childTnLst>
-                    </p:cTn>
-                  </p:par>
                 </p:childTnLst>
               </p:cTn>
               <p:prevCondLst>
@@ -12128,6 +12085,58 @@
       </p:grpSpPr>
       <p:sp>
         <p:nvSpPr>
+          <p:cNvPr id="6" name="Rectangle 5">
+            <a:extLst>
+              <a:ext uri="{FF2B5EF4-FFF2-40B4-BE49-F238E27FC236}">
+                <a16:creationId xmlns:a16="http://schemas.microsoft.com/office/drawing/2014/main" id="{99441F67-7D0A-462B-B373-BE7FAC083242}"/>
+              </a:ext>
+            </a:extLst>
+          </p:cNvPr>
+          <p:cNvSpPr/>
+          <p:nvPr/>
+        </p:nvSpPr>
+        <p:spPr>
+          <a:xfrm>
+            <a:off x="-19458" y="-6059"/>
+            <a:ext cx="12211458" cy="6864059"/>
+          </a:xfrm>
+          <a:prstGeom prst="rect">
+            <a:avLst/>
+          </a:prstGeom>
+          <a:solidFill>
+            <a:srgbClr val="0F69B6"/>
+          </a:solidFill>
+          <a:ln>
+            <a:noFill/>
+          </a:ln>
+        </p:spPr>
+        <p:style>
+          <a:lnRef idx="2">
+            <a:schemeClr val="accent1">
+              <a:shade val="50000"/>
+            </a:schemeClr>
+          </a:lnRef>
+          <a:fillRef idx="1">
+            <a:schemeClr val="accent1"/>
+          </a:fillRef>
+          <a:effectRef idx="0">
+            <a:schemeClr val="accent1"/>
+          </a:effectRef>
+          <a:fontRef idx="minor">
+            <a:schemeClr val="lt1"/>
+          </a:fontRef>
+        </p:style>
+        <p:txBody>
+          <a:bodyPr rtlCol="0" anchor="ctr"/>
+          <a:lstStyle/>
+          <a:p>
+            <a:pPr algn="ctr"/>
+            <a:endParaRPr lang="en-GB"/>
+          </a:p>
+        </p:txBody>
+      </p:sp>
+      <p:sp>
+        <p:nvSpPr>
           <p:cNvPr id="3" name="Content Placeholder 2"/>
           <p:cNvSpPr>
             <a:spLocks noGrp="1"/>
@@ -12138,12 +12147,12 @@
         </p:nvSpPr>
         <p:spPr>
           <a:xfrm>
-            <a:off x="838200" y="2782957"/>
-            <a:ext cx="10515600" cy="3394006"/>
+            <a:off x="838200" y="-6060"/>
+            <a:ext cx="10515600" cy="6864059"/>
           </a:xfrm>
         </p:spPr>
         <p:txBody>
-          <a:bodyPr>
+          <a:bodyPr anchor="ctr">
             <a:normAutofit/>
           </a:bodyPr>
           <a:lstStyle/>
@@ -12152,308 +12161,29 @@
               <a:buNone/>
             </a:pPr>
             <a:r>
-              <a:rPr lang="en-US" sz="6600" dirty="0"/>
+              <a:rPr lang="en-US" sz="6600" dirty="0">
+                <a:solidFill>
+                  <a:schemeClr val="bg1"/>
+                </a:solidFill>
+              </a:rPr>
               <a:t>Let’s get to </a:t>
             </a:r>
             <a:r>
-              <a:rPr lang="en-US" sz="6600" dirty="0" err="1"/>
+              <a:rPr lang="en-US" sz="6600" dirty="0" err="1">
+                <a:solidFill>
+                  <a:schemeClr val="bg1"/>
+                </a:solidFill>
+              </a:rPr>
               <a:t>DevOpsing</a:t>
             </a:r>
-            <a:endParaRPr lang="en-US" sz="6600" dirty="0"/>
+            <a:endParaRPr lang="en-US" sz="6600" dirty="0">
+              <a:solidFill>
+                <a:schemeClr val="bg1"/>
+              </a:solidFill>
+            </a:endParaRPr>
           </a:p>
         </p:txBody>
       </p:sp>
-      <p:grpSp>
-        <p:nvGrpSpPr>
-          <p:cNvPr id="12" name="Group 11">
-            <a:extLst>
-              <a:ext uri="{FF2B5EF4-FFF2-40B4-BE49-F238E27FC236}">
-                <a16:creationId xmlns:a16="http://schemas.microsoft.com/office/drawing/2014/main" id="{455F2807-E467-458E-8800-3C948291DF2A}"/>
-              </a:ext>
-            </a:extLst>
-          </p:cNvPr>
-          <p:cNvGrpSpPr/>
-          <p:nvPr/>
-        </p:nvGrpSpPr>
-        <p:grpSpPr>
-          <a:xfrm>
-            <a:off x="9970651" y="6185410"/>
-            <a:ext cx="2130724" cy="474323"/>
-            <a:chOff x="9970651" y="6185410"/>
-            <a:chExt cx="2130724" cy="474323"/>
-          </a:xfrm>
-        </p:grpSpPr>
-        <p:sp>
-          <p:nvSpPr>
-            <p:cNvPr id="13" name="Subtitle 2">
-              <a:extLst>
-                <a:ext uri="{FF2B5EF4-FFF2-40B4-BE49-F238E27FC236}">
-                  <a16:creationId xmlns:a16="http://schemas.microsoft.com/office/drawing/2014/main" id="{2DDF336D-A9F8-4764-8766-9AF5C55F756E}"/>
-                </a:ext>
-              </a:extLst>
-            </p:cNvPr>
-            <p:cNvSpPr txBox="1">
-              <a:spLocks/>
-            </p:cNvSpPr>
-            <p:nvPr/>
-          </p:nvSpPr>
-          <p:spPr>
-            <a:xfrm>
-              <a:off x="10041147" y="6185410"/>
-              <a:ext cx="2060228" cy="474323"/>
-            </a:xfrm>
-            <a:prstGeom prst="rect">
-              <a:avLst/>
-            </a:prstGeom>
-          </p:spPr>
-          <p:txBody>
-            <a:bodyPr vert="horz" lIns="91440" tIns="45720" rIns="91440" bIns="45720" rtlCol="0">
-              <a:normAutofit/>
-            </a:bodyPr>
-            <a:lstStyle>
-              <a:lvl1pPr marL="0" indent="0" algn="ctr" defTabSz="914400" rtl="0" eaLnBrk="1" latinLnBrk="0" hangingPunct="1">
-                <a:lnSpc>
-                  <a:spcPct val="90000"/>
-                </a:lnSpc>
-                <a:spcBef>
-                  <a:spcPts val="1000"/>
-                </a:spcBef>
-                <a:buFont typeface="Arial" panose="020B0604020202020204" pitchFamily="34" charset="0"/>
-                <a:buNone/>
-                <a:defRPr sz="2400" kern="1200">
-                  <a:solidFill>
-                    <a:schemeClr val="tx1"/>
-                  </a:solidFill>
-                  <a:latin typeface="+mn-lt"/>
-                  <a:ea typeface="+mn-ea"/>
-                  <a:cs typeface="+mn-cs"/>
-                </a:defRPr>
-              </a:lvl1pPr>
-              <a:lvl2pPr marL="457200" indent="0" algn="ctr" defTabSz="914400" rtl="0" eaLnBrk="1" latinLnBrk="0" hangingPunct="1">
-                <a:lnSpc>
-                  <a:spcPct val="90000"/>
-                </a:lnSpc>
-                <a:spcBef>
-                  <a:spcPts val="500"/>
-                </a:spcBef>
-                <a:buFont typeface="Arial" panose="020B0604020202020204" pitchFamily="34" charset="0"/>
-                <a:buNone/>
-                <a:defRPr sz="2000" kern="1200">
-                  <a:solidFill>
-                    <a:schemeClr val="tx1"/>
-                  </a:solidFill>
-                  <a:latin typeface="+mn-lt"/>
-                  <a:ea typeface="+mn-ea"/>
-                  <a:cs typeface="+mn-cs"/>
-                </a:defRPr>
-              </a:lvl2pPr>
-              <a:lvl3pPr marL="914400" indent="0" algn="ctr" defTabSz="914400" rtl="0" eaLnBrk="1" latinLnBrk="0" hangingPunct="1">
-                <a:lnSpc>
-                  <a:spcPct val="90000"/>
-                </a:lnSpc>
-                <a:spcBef>
-                  <a:spcPts val="500"/>
-                </a:spcBef>
-                <a:buFont typeface="Arial" panose="020B0604020202020204" pitchFamily="34" charset="0"/>
-                <a:buNone/>
-                <a:defRPr sz="1800" kern="1200">
-                  <a:solidFill>
-                    <a:schemeClr val="tx1"/>
-                  </a:solidFill>
-                  <a:latin typeface="+mn-lt"/>
-                  <a:ea typeface="+mn-ea"/>
-                  <a:cs typeface="+mn-cs"/>
-                </a:defRPr>
-              </a:lvl3pPr>
-              <a:lvl4pPr marL="1371600" indent="0" algn="ctr" defTabSz="914400" rtl="0" eaLnBrk="1" latinLnBrk="0" hangingPunct="1">
-                <a:lnSpc>
-                  <a:spcPct val="90000"/>
-                </a:lnSpc>
-                <a:spcBef>
-                  <a:spcPts val="500"/>
-                </a:spcBef>
-                <a:buFont typeface="Arial" panose="020B0604020202020204" pitchFamily="34" charset="0"/>
-                <a:buNone/>
-                <a:defRPr sz="1600" kern="1200">
-                  <a:solidFill>
-                    <a:schemeClr val="tx1"/>
-                  </a:solidFill>
-                  <a:latin typeface="+mn-lt"/>
-                  <a:ea typeface="+mn-ea"/>
-                  <a:cs typeface="+mn-cs"/>
-                </a:defRPr>
-              </a:lvl4pPr>
-              <a:lvl5pPr marL="1828800" indent="0" algn="ctr" defTabSz="914400" rtl="0" eaLnBrk="1" latinLnBrk="0" hangingPunct="1">
-                <a:lnSpc>
-                  <a:spcPct val="90000"/>
-                </a:lnSpc>
-                <a:spcBef>
-                  <a:spcPts val="500"/>
-                </a:spcBef>
-                <a:buFont typeface="Arial" panose="020B0604020202020204" pitchFamily="34" charset="0"/>
-                <a:buNone/>
-                <a:defRPr sz="1600" kern="1200">
-                  <a:solidFill>
-                    <a:schemeClr val="tx1"/>
-                  </a:solidFill>
-                  <a:latin typeface="+mn-lt"/>
-                  <a:ea typeface="+mn-ea"/>
-                  <a:cs typeface="+mn-cs"/>
-                </a:defRPr>
-              </a:lvl5pPr>
-              <a:lvl6pPr marL="2286000" indent="0" algn="ctr" defTabSz="914400" rtl="0" eaLnBrk="1" latinLnBrk="0" hangingPunct="1">
-                <a:lnSpc>
-                  <a:spcPct val="90000"/>
-                </a:lnSpc>
-                <a:spcBef>
-                  <a:spcPts val="500"/>
-                </a:spcBef>
-                <a:buFont typeface="Arial" panose="020B0604020202020204" pitchFamily="34" charset="0"/>
-                <a:buNone/>
-                <a:defRPr sz="1600" kern="1200">
-                  <a:solidFill>
-                    <a:schemeClr val="tx1"/>
-                  </a:solidFill>
-                  <a:latin typeface="+mn-lt"/>
-                  <a:ea typeface="+mn-ea"/>
-                  <a:cs typeface="+mn-cs"/>
-                </a:defRPr>
-              </a:lvl6pPr>
-              <a:lvl7pPr marL="2743200" indent="0" algn="ctr" defTabSz="914400" rtl="0" eaLnBrk="1" latinLnBrk="0" hangingPunct="1">
-                <a:lnSpc>
-                  <a:spcPct val="90000"/>
-                </a:lnSpc>
-                <a:spcBef>
-                  <a:spcPts val="500"/>
-                </a:spcBef>
-                <a:buFont typeface="Arial" panose="020B0604020202020204" pitchFamily="34" charset="0"/>
-                <a:buNone/>
-                <a:defRPr sz="1600" kern="1200">
-                  <a:solidFill>
-                    <a:schemeClr val="tx1"/>
-                  </a:solidFill>
-                  <a:latin typeface="+mn-lt"/>
-                  <a:ea typeface="+mn-ea"/>
-                  <a:cs typeface="+mn-cs"/>
-                </a:defRPr>
-              </a:lvl7pPr>
-              <a:lvl8pPr marL="3200400" indent="0" algn="ctr" defTabSz="914400" rtl="0" eaLnBrk="1" latinLnBrk="0" hangingPunct="1">
-                <a:lnSpc>
-                  <a:spcPct val="90000"/>
-                </a:lnSpc>
-                <a:spcBef>
-                  <a:spcPts val="500"/>
-                </a:spcBef>
-                <a:buFont typeface="Arial" panose="020B0604020202020204" pitchFamily="34" charset="0"/>
-                <a:buNone/>
-                <a:defRPr sz="1600" kern="1200">
-                  <a:solidFill>
-                    <a:schemeClr val="tx1"/>
-                  </a:solidFill>
-                  <a:latin typeface="+mn-lt"/>
-                  <a:ea typeface="+mn-ea"/>
-                  <a:cs typeface="+mn-cs"/>
-                </a:defRPr>
-              </a:lvl8pPr>
-              <a:lvl9pPr marL="3657600" indent="0" algn="ctr" defTabSz="914400" rtl="0" eaLnBrk="1" latinLnBrk="0" hangingPunct="1">
-                <a:lnSpc>
-                  <a:spcPct val="90000"/>
-                </a:lnSpc>
-                <a:spcBef>
-                  <a:spcPts val="500"/>
-                </a:spcBef>
-                <a:buFont typeface="Arial" panose="020B0604020202020204" pitchFamily="34" charset="0"/>
-                <a:buNone/>
-                <a:defRPr sz="1600" kern="1200">
-                  <a:solidFill>
-                    <a:schemeClr val="tx1"/>
-                  </a:solidFill>
-                  <a:latin typeface="+mn-lt"/>
-                  <a:ea typeface="+mn-ea"/>
-                  <a:cs typeface="+mn-cs"/>
-                </a:defRPr>
-              </a:lvl9pPr>
-            </a:lstStyle>
-            <a:p>
-              <a:r>
-                <a:rPr lang="en-US" dirty="0" err="1">
-                  <a:solidFill>
-                    <a:schemeClr val="bg1">
-                      <a:lumMod val="65000"/>
-                    </a:schemeClr>
-                  </a:solidFill>
-                </a:rPr>
-                <a:t>scottsauber</a:t>
-              </a:r>
-              <a:endParaRPr lang="en-US" dirty="0">
-                <a:solidFill>
-                  <a:schemeClr val="bg1">
-                    <a:lumMod val="65000"/>
-                  </a:schemeClr>
-                </a:solidFill>
-              </a:endParaRPr>
-            </a:p>
-          </p:txBody>
-        </p:sp>
-        <p:sp>
-          <p:nvSpPr>
-            <p:cNvPr id="14" name="Rectangle 13">
-              <a:extLst>
-                <a:ext uri="{FF2B5EF4-FFF2-40B4-BE49-F238E27FC236}">
-                  <a16:creationId xmlns:a16="http://schemas.microsoft.com/office/drawing/2014/main" id="{4439E733-0EDA-49D9-AB11-FB371F3B2F1A}"/>
-                </a:ext>
-              </a:extLst>
-            </p:cNvPr>
-            <p:cNvSpPr/>
-            <p:nvPr/>
-          </p:nvSpPr>
-          <p:spPr>
-            <a:xfrm>
-              <a:off x="9970651" y="6285411"/>
-              <a:ext cx="347472" cy="274320"/>
-            </a:xfrm>
-            <a:prstGeom prst="rect">
-              <a:avLst/>
-            </a:prstGeom>
-            <a:blipFill dpi="0" rotWithShape="1">
-              <a:blip r:embed="rId3">
-                <a:alphaModFix amt="50000"/>
-              </a:blip>
-              <a:srcRect/>
-              <a:stretch>
-                <a:fillRect/>
-              </a:stretch>
-            </a:blipFill>
-            <a:ln>
-              <a:noFill/>
-            </a:ln>
-          </p:spPr>
-          <p:style>
-            <a:lnRef idx="2">
-              <a:schemeClr val="accent1">
-                <a:shade val="50000"/>
-              </a:schemeClr>
-            </a:lnRef>
-            <a:fillRef idx="1">
-              <a:schemeClr val="accent1"/>
-            </a:fillRef>
-            <a:effectRef idx="0">
-              <a:schemeClr val="accent1"/>
-            </a:effectRef>
-            <a:fontRef idx="minor">
-              <a:schemeClr val="lt1"/>
-            </a:fontRef>
-          </p:style>
-          <p:txBody>
-            <a:bodyPr rtlCol="0" anchor="ctr"/>
-            <a:lstStyle/>
-            <a:p>
-              <a:pPr algn="ctr"/>
-              <a:endParaRPr lang="en-US"/>
-            </a:p>
-          </p:txBody>
-        </p:sp>
-      </p:grpSp>
     </p:spTree>
     <p:extLst>
       <p:ext uri="{BB962C8B-B14F-4D97-AF65-F5344CB8AC3E}">
@@ -12464,100 +12194,6 @@
   <p:clrMapOvr>
     <a:masterClrMapping/>
   </p:clrMapOvr>
-  <p:timing>
-    <p:tnLst>
-      <p:par>
-        <p:cTn id="1" dur="indefinite" restart="never" nodeType="tmRoot">
-          <p:childTnLst>
-            <p:seq concurrent="1" nextAc="seek">
-              <p:cTn id="2" dur="indefinite" nodeType="mainSeq">
-                <p:childTnLst>
-                  <p:par>
-                    <p:cTn id="3" fill="hold">
-                      <p:stCondLst>
-                        <p:cond delay="indefinite"/>
-                      </p:stCondLst>
-                      <p:childTnLst>
-                        <p:par>
-                          <p:cTn id="4" fill="hold">
-                            <p:stCondLst>
-                              <p:cond delay="0"/>
-                            </p:stCondLst>
-                            <p:childTnLst>
-                              <p:par>
-                                <p:cTn id="5" presetID="10" presetClass="entr" presetSubtype="0" fill="hold" grpId="0" nodeType="clickEffect">
-                                  <p:stCondLst>
-                                    <p:cond delay="0"/>
-                                  </p:stCondLst>
-                                  <p:childTnLst>
-                                    <p:set>
-                                      <p:cBhvr>
-                                        <p:cTn id="6" dur="1" fill="hold">
-                                          <p:stCondLst>
-                                            <p:cond delay="0"/>
-                                          </p:stCondLst>
-                                        </p:cTn>
-                                        <p:tgtEl>
-                                          <p:spTgt spid="3">
-                                            <p:txEl>
-                                              <p:pRg st="0" end="0"/>
-                                            </p:txEl>
-                                          </p:spTgt>
-                                        </p:tgtEl>
-                                        <p:attrNameLst>
-                                          <p:attrName>style.visibility</p:attrName>
-                                        </p:attrNameLst>
-                                      </p:cBhvr>
-                                      <p:to>
-                                        <p:strVal val="visible"/>
-                                      </p:to>
-                                    </p:set>
-                                    <p:animEffect transition="in" filter="fade">
-                                      <p:cBhvr>
-                                        <p:cTn id="7" dur="500"/>
-                                        <p:tgtEl>
-                                          <p:spTgt spid="3">
-                                            <p:txEl>
-                                              <p:pRg st="0" end="0"/>
-                                            </p:txEl>
-                                          </p:spTgt>
-                                        </p:tgtEl>
-                                      </p:cBhvr>
-                                    </p:animEffect>
-                                  </p:childTnLst>
-                                </p:cTn>
-                              </p:par>
-                            </p:childTnLst>
-                          </p:cTn>
-                        </p:par>
-                      </p:childTnLst>
-                    </p:cTn>
-                  </p:par>
-                </p:childTnLst>
-              </p:cTn>
-              <p:prevCondLst>
-                <p:cond evt="onPrev" delay="0">
-                  <p:tgtEl>
-                    <p:sldTgt/>
-                  </p:tgtEl>
-                </p:cond>
-              </p:prevCondLst>
-              <p:nextCondLst>
-                <p:cond evt="onNext" delay="0">
-                  <p:tgtEl>
-                    <p:sldTgt/>
-                  </p:tgtEl>
-                </p:cond>
-              </p:nextCondLst>
-            </p:seq>
-          </p:childTnLst>
-        </p:cTn>
-      </p:par>
-    </p:tnLst>
-    <p:bldLst>
-      <p:bldP spid="3" grpId="0" build="p"/>
-    </p:bldLst>
-  </p:timing>
 </p:sld>
 </file>
 
@@ -16822,6 +16458,13 @@
             </a:r>
           </a:p>
           <a:p>
+            <a:pPr lvl="1"/>
+            <a:r>
+              <a:rPr lang="en-US" dirty="0"/>
+              <a:t>Assuming not a shared database between many apps</a:t>
+            </a:r>
+          </a:p>
+          <a:p>
             <a:r>
               <a:rPr lang="en-US" dirty="0"/>
               <a:t>One Pull Request/Commit for the application code and SQL code</a:t>
@@ -17219,33 +16862,15 @@
                                   </p:subTnLst>
                                 </p:cTn>
                               </p:par>
-                            </p:childTnLst>
-                          </p:cTn>
-                        </p:par>
-                      </p:childTnLst>
-                    </p:cTn>
-                  </p:par>
-                  <p:par>
-                    <p:cTn id="8" fill="hold">
-                      <p:stCondLst>
-                        <p:cond delay="indefinite"/>
-                      </p:stCondLst>
-                      <p:childTnLst>
-                        <p:par>
-                          <p:cTn id="9" fill="hold">
-                            <p:stCondLst>
-                              <p:cond delay="0"/>
-                            </p:stCondLst>
-                            <p:childTnLst>
                               <p:par>
-                                <p:cTn id="10" presetID="10" presetClass="entr" presetSubtype="0" fill="hold" grpId="0" nodeType="clickEffect">
+                                <p:cTn id="8" presetID="10" presetClass="entr" presetSubtype="0" fill="hold" grpId="0" nodeType="withEffect">
                                   <p:stCondLst>
                                     <p:cond delay="0"/>
                                   </p:stCondLst>
                                   <p:childTnLst>
                                     <p:set>
                                       <p:cBhvr>
-                                        <p:cTn id="11" dur="1" fill="hold">
+                                        <p:cTn id="9" dur="1" fill="hold">
                                           <p:stCondLst>
                                             <p:cond delay="0"/>
                                           </p:stCondLst>
@@ -17267,7 +16892,7 @@
                                     </p:set>
                                     <p:animEffect transition="in" filter="fade">
                                       <p:cBhvr>
-                                        <p:cTn id="12" dur="500"/>
+                                        <p:cTn id="10" dur="500"/>
                                         <p:tgtEl>
                                           <p:spTgt spid="3">
                                             <p:txEl>
@@ -17307,26 +16932,26 @@
                     </p:cTn>
                   </p:par>
                   <p:par>
-                    <p:cTn id="13" fill="hold">
+                    <p:cTn id="11" fill="hold">
                       <p:stCondLst>
                         <p:cond delay="indefinite"/>
                       </p:stCondLst>
                       <p:childTnLst>
                         <p:par>
-                          <p:cTn id="14" fill="hold">
+                          <p:cTn id="12" fill="hold">
                             <p:stCondLst>
                               <p:cond delay="0"/>
                             </p:stCondLst>
                             <p:childTnLst>
                               <p:par>
-                                <p:cTn id="15" presetID="10" presetClass="entr" presetSubtype="0" fill="hold" grpId="0" nodeType="clickEffect">
+                                <p:cTn id="13" presetID="10" presetClass="entr" presetSubtype="0" fill="hold" grpId="0" nodeType="clickEffect">
                                   <p:stCondLst>
                                     <p:cond delay="0"/>
                                   </p:stCondLst>
                                   <p:childTnLst>
                                     <p:set>
                                       <p:cBhvr>
-                                        <p:cTn id="16" dur="1" fill="hold">
+                                        <p:cTn id="14" dur="1" fill="hold">
                                           <p:stCondLst>
                                             <p:cond delay="0"/>
                                           </p:stCondLst>
@@ -17348,7 +16973,7 @@
                                     </p:set>
                                     <p:animEffect transition="in" filter="fade">
                                       <p:cBhvr>
-                                        <p:cTn id="17" dur="500"/>
+                                        <p:cTn id="15" dur="500"/>
                                         <p:tgtEl>
                                           <p:spTgt spid="3">
                                             <p:txEl>
@@ -17367,6 +16992,87 @@
                                           <p:spTgt spid="3">
                                             <p:txEl>
                                               <p:pRg st="2" end="2"/>
+                                            </p:txEl>
+                                          </p:spTgt>
+                                        </p:tgtEl>
+                                        <p:attrNameLst>
+                                          <p:attrName>ppt_c</p:attrName>
+                                        </p:attrNameLst>
+                                      </p:cBhvr>
+                                      <p:to>
+                                        <a:srgbClr val="B2B2B2"/>
+                                      </p:to>
+                                    </p:animClr>
+                                  </p:subTnLst>
+                                </p:cTn>
+                              </p:par>
+                            </p:childTnLst>
+                          </p:cTn>
+                        </p:par>
+                      </p:childTnLst>
+                    </p:cTn>
+                  </p:par>
+                  <p:par>
+                    <p:cTn id="16" fill="hold">
+                      <p:stCondLst>
+                        <p:cond delay="indefinite"/>
+                      </p:stCondLst>
+                      <p:childTnLst>
+                        <p:par>
+                          <p:cTn id="17" fill="hold">
+                            <p:stCondLst>
+                              <p:cond delay="0"/>
+                            </p:stCondLst>
+                            <p:childTnLst>
+                              <p:par>
+                                <p:cTn id="18" presetID="10" presetClass="entr" presetSubtype="0" fill="hold" grpId="0" nodeType="clickEffect">
+                                  <p:stCondLst>
+                                    <p:cond delay="0"/>
+                                  </p:stCondLst>
+                                  <p:childTnLst>
+                                    <p:set>
+                                      <p:cBhvr>
+                                        <p:cTn id="19" dur="1" fill="hold">
+                                          <p:stCondLst>
+                                            <p:cond delay="0"/>
+                                          </p:stCondLst>
+                                        </p:cTn>
+                                        <p:tgtEl>
+                                          <p:spTgt spid="3">
+                                            <p:txEl>
+                                              <p:pRg st="3" end="3"/>
+                                            </p:txEl>
+                                          </p:spTgt>
+                                        </p:tgtEl>
+                                        <p:attrNameLst>
+                                          <p:attrName>style.visibility</p:attrName>
+                                        </p:attrNameLst>
+                                      </p:cBhvr>
+                                      <p:to>
+                                        <p:strVal val="visible"/>
+                                      </p:to>
+                                    </p:set>
+                                    <p:animEffect transition="in" filter="fade">
+                                      <p:cBhvr>
+                                        <p:cTn id="20" dur="500"/>
+                                        <p:tgtEl>
+                                          <p:spTgt spid="3">
+                                            <p:txEl>
+                                              <p:pRg st="3" end="3"/>
+                                            </p:txEl>
+                                          </p:spTgt>
+                                        </p:tgtEl>
+                                      </p:cBhvr>
+                                    </p:animEffect>
+                                  </p:childTnLst>
+                                  <p:subTnLst>
+                                    <p:animClr clrSpc="rgb" dir="cw">
+                                      <p:cBhvr override="childStyle">
+                                        <p:cTn dur="1" fill="hold" display="0" masterRel="nextClick" afterEffect="1"/>
+                                        <p:tgtEl>
+                                          <p:spTgt spid="3">
+                                            <p:txEl>
+                                              <p:pRg st="3" end="3"/>
                                             </p:txEl>
                                           </p:spTgt>
                                         </p:tgtEl>
@@ -18198,33 +17904,15 @@
                                   </p:subTnLst>
                                 </p:cTn>
                               </p:par>
-                            </p:childTnLst>
-                          </p:cTn>
-                        </p:par>
-                      </p:childTnLst>
-                    </p:cTn>
-                  </p:par>
-                  <p:par>
-                    <p:cTn id="24" fill="hold">
-                      <p:stCondLst>
-                        <p:cond delay="indefinite"/>
-                      </p:stCondLst>
-                      <p:childTnLst>
-                        <p:par>
-                          <p:cTn id="25" fill="hold">
-                            <p:stCondLst>
-                              <p:cond delay="0"/>
-                            </p:stCondLst>
-                            <p:childTnLst>
                               <p:par>
-                                <p:cTn id="26" presetID="10" presetClass="entr" presetSubtype="0" fill="hold" grpId="0" nodeType="clickEffect">
+                                <p:cTn id="24" presetID="10" presetClass="entr" presetSubtype="0" fill="hold" grpId="0" nodeType="withEffect">
                                   <p:stCondLst>
                                     <p:cond delay="0"/>
                                   </p:stCondLst>
                                   <p:childTnLst>
                                     <p:set>
                                       <p:cBhvr>
-                                        <p:cTn id="27" dur="1" fill="hold">
+                                        <p:cTn id="25" dur="1" fill="hold">
                                           <p:stCondLst>
                                             <p:cond delay="0"/>
                                           </p:stCondLst>
@@ -18246,7 +17934,7 @@
                                     </p:set>
                                     <p:animEffect transition="in" filter="fade">
                                       <p:cBhvr>
-                                        <p:cTn id="28" dur="500"/>
+                                        <p:cTn id="26" dur="500"/>
                                         <p:tgtEl>
                                           <p:spTgt spid="3">
                                             <p:txEl>
@@ -18280,14 +17968,14 @@
                                 </p:cTn>
                               </p:par>
                               <p:par>
-                                <p:cTn id="29" presetID="10" presetClass="entr" presetSubtype="0" fill="hold" grpId="0" nodeType="withEffect">
+                                <p:cTn id="27" presetID="10" presetClass="entr" presetSubtype="0" fill="hold" grpId="0" nodeType="withEffect">
                                   <p:stCondLst>
                                     <p:cond delay="0"/>
                                   </p:stCondLst>
                                   <p:childTnLst>
                                     <p:set>
                                       <p:cBhvr>
-                                        <p:cTn id="30" dur="1" fill="hold">
+                                        <p:cTn id="28" dur="1" fill="hold">
                                           <p:stCondLst>
                                             <p:cond delay="0"/>
                                           </p:stCondLst>
@@ -18309,7 +17997,7 @@
                                     </p:set>
                                     <p:animEffect transition="in" filter="fade">
                                       <p:cBhvr>
-                                        <p:cTn id="31" dur="500"/>
+                                        <p:cTn id="29" dur="500"/>
                                         <p:tgtEl>
                                           <p:spTgt spid="3">
                                             <p:txEl>
@@ -18343,14 +18031,14 @@
                                 </p:cTn>
                               </p:par>
                               <p:par>
-                                <p:cTn id="32" presetID="10" presetClass="entr" presetSubtype="0" fill="hold" grpId="0" nodeType="withEffect">
+                                <p:cTn id="30" presetID="10" presetClass="entr" presetSubtype="0" fill="hold" grpId="0" nodeType="withEffect">
                                   <p:stCondLst>
                                     <p:cond delay="0"/>
                                   </p:stCondLst>
                                   <p:childTnLst>
                                     <p:set>
                                       <p:cBhvr>
-                                        <p:cTn id="33" dur="1" fill="hold">
+                                        <p:cTn id="31" dur="1" fill="hold">
                                           <p:stCondLst>
                                             <p:cond delay="0"/>
                                           </p:stCondLst>
@@ -18372,7 +18060,7 @@
                                     </p:set>
                                     <p:animEffect transition="in" filter="fade">
                                       <p:cBhvr>
-                                        <p:cTn id="34" dur="500"/>
+                                        <p:cTn id="32" dur="500"/>
                                         <p:tgtEl>
                                           <p:spTgt spid="3">
                                             <p:txEl>
@@ -19230,33 +18918,15 @@
                                   </p:subTnLst>
                                 </p:cTn>
                               </p:par>
-                            </p:childTnLst>
-                          </p:cTn>
-                        </p:par>
-                      </p:childTnLst>
-                    </p:cTn>
-                  </p:par>
-                  <p:par>
-                    <p:cTn id="24" fill="hold">
-                      <p:stCondLst>
-                        <p:cond delay="indefinite"/>
-                      </p:stCondLst>
-                      <p:childTnLst>
-                        <p:par>
-                          <p:cTn id="25" fill="hold">
-                            <p:stCondLst>
-                              <p:cond delay="0"/>
-                            </p:stCondLst>
-                            <p:childTnLst>
                               <p:par>
-                                <p:cTn id="26" presetID="10" presetClass="entr" presetSubtype="0" fill="hold" grpId="0" nodeType="clickEffect">
+                                <p:cTn id="24" presetID="10" presetClass="entr" presetSubtype="0" fill="hold" grpId="0" nodeType="withEffect">
                                   <p:stCondLst>
                                     <p:cond delay="0"/>
                                   </p:stCondLst>
                                   <p:childTnLst>
                                     <p:set>
                                       <p:cBhvr>
-                                        <p:cTn id="27" dur="1" fill="hold">
+                                        <p:cTn id="25" dur="1" fill="hold">
                                           <p:stCondLst>
                                             <p:cond delay="0"/>
                                           </p:stCondLst>
@@ -19278,7 +18948,7 @@
                                     </p:set>
                                     <p:animEffect transition="in" filter="fade">
                                       <p:cBhvr>
-                                        <p:cTn id="28" dur="500"/>
+                                        <p:cTn id="26" dur="500"/>
                                         <p:tgtEl>
                                           <p:spTgt spid="3">
                                             <p:txEl>
@@ -19312,14 +18982,14 @@
                                 </p:cTn>
                               </p:par>
                               <p:par>
-                                <p:cTn id="29" presetID="10" presetClass="entr" presetSubtype="0" fill="hold" grpId="0" nodeType="withEffect">
+                                <p:cTn id="27" presetID="10" presetClass="entr" presetSubtype="0" fill="hold" grpId="0" nodeType="withEffect">
                                   <p:stCondLst>
                                     <p:cond delay="0"/>
                                   </p:stCondLst>
                                   <p:childTnLst>
                                     <p:set>
                                       <p:cBhvr>
-                                        <p:cTn id="30" dur="1" fill="hold">
+                                        <p:cTn id="28" dur="1" fill="hold">
                                           <p:stCondLst>
                                             <p:cond delay="0"/>
                                           </p:stCondLst>
@@ -19341,7 +19011,7 @@
                                     </p:set>
                                     <p:animEffect transition="in" filter="fade">
                                       <p:cBhvr>
-                                        <p:cTn id="31" dur="500"/>
+                                        <p:cTn id="29" dur="500"/>
                                         <p:tgtEl>
                                           <p:spTgt spid="3">
                                             <p:txEl>
@@ -19375,14 +19045,14 @@
                                 </p:cTn>
                               </p:par>
                               <p:par>
-                                <p:cTn id="32" presetID="10" presetClass="entr" presetSubtype="0" fill="hold" grpId="0" nodeType="withEffect">
+                                <p:cTn id="30" presetID="10" presetClass="entr" presetSubtype="0" fill="hold" grpId="0" nodeType="withEffect">
                                   <p:stCondLst>
                                     <p:cond delay="0"/>
                                   </p:stCondLst>
                                   <p:childTnLst>
                                     <p:set>
                                       <p:cBhvr>
-                                        <p:cTn id="33" dur="1" fill="hold">
+                                        <p:cTn id="31" dur="1" fill="hold">
                                           <p:stCondLst>
                                             <p:cond delay="0"/>
                                           </p:stCondLst>
@@ -19404,7 +19074,7 @@
                                     </p:set>
                                     <p:animEffect transition="in" filter="fade">
                                       <p:cBhvr>
-                                        <p:cTn id="34" dur="500"/>
+                                        <p:cTn id="32" dur="500"/>
                                         <p:tgtEl>
                                           <p:spTgt spid="3">
                                             <p:txEl>
@@ -19438,14 +19108,14 @@
                                 </p:cTn>
                               </p:par>
                               <p:par>
-                                <p:cTn id="35" presetID="10" presetClass="entr" presetSubtype="0" fill="hold" grpId="0" nodeType="withEffect">
+                                <p:cTn id="33" presetID="10" presetClass="entr" presetSubtype="0" fill="hold" grpId="0" nodeType="withEffect">
                                   <p:stCondLst>
                                     <p:cond delay="0"/>
                                   </p:stCondLst>
                                   <p:childTnLst>
                                     <p:set>
                                       <p:cBhvr>
-                                        <p:cTn id="36" dur="1" fill="hold">
+                                        <p:cTn id="34" dur="1" fill="hold">
                                           <p:stCondLst>
                                             <p:cond delay="0"/>
                                           </p:stCondLst>
@@ -19467,7 +19137,7 @@
                                     </p:set>
                                     <p:animEffect transition="in" filter="fade">
                                       <p:cBhvr>
-                                        <p:cTn id="37" dur="500"/>
+                                        <p:cTn id="35" dur="500"/>
                                         <p:tgtEl>
                                           <p:spTgt spid="3">
                                             <p:txEl>
@@ -19640,7 +19310,7 @@
             </a:pPr>
             <a:r>
               <a:rPr lang="en-US" dirty="0"/>
-              <a:t>When both are approved, the code is merged into master</a:t>
+              <a:t>When both are approved, the code is merged into main</a:t>
             </a:r>
           </a:p>
           <a:p>
@@ -20649,7 +20319,7 @@
           <a:p>
             <a:r>
               <a:rPr lang="en-US" dirty="0"/>
-              <a:t>Build server</a:t>
+              <a:t>Build verification of commit</a:t>
             </a:r>
           </a:p>
           <a:p>
@@ -25547,18 +25217,29 @@
           <a:p>
             <a:r>
               <a:rPr lang="en-US" dirty="0">
+                <a:hlinkClick r:id="rId4"/>
+              </a:rPr>
+              <a:t>https://github.com/scottsauber/dotfiles/blob/main/.bashrc</a:t>
+            </a:r>
+            <a:endParaRPr lang="en-US" dirty="0">
+              <a:hlinkClick r:id="rId3"/>
+            </a:endParaRPr>
+          </a:p>
+          <a:p>
+            <a:r>
+              <a:rPr lang="en-US" dirty="0">
                 <a:hlinkClick r:id="rId3"/>
               </a:rPr>
               <a:t>Redgate Simple Talk Blogs</a:t>
             </a:r>
             <a:endParaRPr lang="en-US" dirty="0">
-              <a:hlinkClick r:id="rId4"/>
+              <a:hlinkClick r:id="rId5"/>
             </a:endParaRPr>
           </a:p>
           <a:p>
             <a:r>
               <a:rPr lang="en-US" dirty="0">
-                <a:hlinkClick r:id="rId4"/>
+                <a:hlinkClick r:id="rId5"/>
               </a:rPr>
               <a:t>Redgate Database DevOps Blogs</a:t>
             </a:r>
@@ -25567,7 +25248,7 @@
           <a:p>
             <a:r>
               <a:rPr lang="en-US" dirty="0">
-                <a:hlinkClick r:id="rId5"/>
+                <a:hlinkClick r:id="rId6"/>
               </a:rPr>
               <a:t>State of DB DevOps 2021 Survey</a:t>
             </a:r>
@@ -25576,13 +25257,13 @@
           <a:p>
             <a:r>
               <a:rPr lang="en-US" dirty="0">
-                <a:hlinkClick r:id="rId6"/>
+                <a:hlinkClick r:id="rId7"/>
               </a:rPr>
               <a:t>DB DevOps with Jeffrey Palermo and Paul </a:t>
             </a:r>
             <a:r>
               <a:rPr lang="en-US" dirty="0" err="1">
-                <a:hlinkClick r:id="rId6"/>
+                <a:hlinkClick r:id="rId7"/>
               </a:rPr>
               <a:t>Stovell</a:t>
             </a:r>
@@ -26048,7 +25729,7 @@
               <a:avLst/>
             </a:prstGeom>
             <a:blipFill dpi="0" rotWithShape="1">
-              <a:blip r:embed="rId7">
+              <a:blip r:embed="rId8">
                 <a:alphaModFix amt="50000"/>
               </a:blip>
               <a:srcRect/>
@@ -28793,7 +28474,12 @@
             <p:ph type="title"/>
           </p:nvPr>
         </p:nvSpPr>
-        <p:spPr/>
+        <p:spPr>
+          <a:xfrm>
+            <a:off x="838199" y="365125"/>
+            <a:ext cx="11015341" cy="1325563"/>
+          </a:xfrm>
+        </p:spPr>
         <p:txBody>
           <a:bodyPr/>
           <a:lstStyle/>
@@ -28806,7 +28492,7 @@
                   </a:schemeClr>
                 </a:solidFill>
               </a:rPr>
-              <a:t>Types of team interactions with DB’s</a:t>
+              <a:t>Typical manual workflows for database changes</a:t>
             </a:r>
           </a:p>
         </p:txBody>
@@ -29500,7 +29186,7 @@
             </a:r>
             <a:r>
               <a:rPr lang="en-US" dirty="0"/>
-              <a:t> SQL Compare)</a:t>
+              <a:t> SQL Compare, pgadmin4)</a:t>
             </a:r>
           </a:p>
           <a:p>
@@ -29534,7 +29220,7 @@
           <a:p>
             <a:r>
               <a:rPr lang="en-US" dirty="0"/>
-              <a:t>SQL Script approach</a:t>
+              <a:t>Gather SQL Scripts approach</a:t>
             </a:r>
           </a:p>
           <a:p>
@@ -30580,13 +30266,6 @@
             </a:r>
           </a:p>
           <a:p>
-            <a:pPr lvl="1"/>
-            <a:r>
-              <a:rPr lang="en-US" dirty="0"/>
-              <a:t>No easy rollbacks</a:t>
-            </a:r>
-          </a:p>
-          <a:p>
             <a:r>
               <a:rPr lang="en-US" dirty="0"/>
               <a:t>Manual</a:t>
@@ -31096,15 +30775,33 @@
                                   </p:subTnLst>
                                 </p:cTn>
                               </p:par>
+                            </p:childTnLst>
+                          </p:cTn>
+                        </p:par>
+                      </p:childTnLst>
+                    </p:cTn>
+                  </p:par>
+                  <p:par>
+                    <p:cTn id="11" fill="hold">
+                      <p:stCondLst>
+                        <p:cond delay="indefinite"/>
+                      </p:stCondLst>
+                      <p:childTnLst>
+                        <p:par>
+                          <p:cTn id="12" fill="hold">
+                            <p:stCondLst>
+                              <p:cond delay="0"/>
+                            </p:stCondLst>
+                            <p:childTnLst>
                               <p:par>
-                                <p:cTn id="11" presetID="10" presetClass="entr" presetSubtype="0" fill="hold" grpId="0" nodeType="withEffect">
+                                <p:cTn id="13" presetID="10" presetClass="entr" presetSubtype="0" fill="hold" grpId="0" nodeType="clickEffect">
                                   <p:stCondLst>
                                     <p:cond delay="0"/>
                                   </p:stCondLst>
                                   <p:childTnLst>
                                     <p:set>
                                       <p:cBhvr>
-                                        <p:cTn id="12" dur="1" fill="hold">
+                                        <p:cTn id="14" dur="1" fill="hold">
                                           <p:stCondLst>
                                             <p:cond delay="0"/>
                                           </p:stCondLst>
@@ -31126,7 +30823,7 @@
                                     </p:set>
                                     <p:animEffect transition="in" filter="fade">
                                       <p:cBhvr>
-                                        <p:cTn id="13" dur="500"/>
+                                        <p:cTn id="15" dur="500"/>
                                         <p:tgtEl>
                                           <p:spTgt spid="3">
                                             <p:txEl>
@@ -31159,26 +30856,8 @@
                                   </p:subTnLst>
                                 </p:cTn>
                               </p:par>
-                            </p:childTnLst>
-                          </p:cTn>
-                        </p:par>
-                      </p:childTnLst>
-                    </p:cTn>
-                  </p:par>
-                  <p:par>
-                    <p:cTn id="14" fill="hold">
-                      <p:stCondLst>
-                        <p:cond delay="indefinite"/>
-                      </p:stCondLst>
-                      <p:childTnLst>
-                        <p:par>
-                          <p:cTn id="15" fill="hold">
-                            <p:stCondLst>
-                              <p:cond delay="0"/>
-                            </p:stCondLst>
-                            <p:childTnLst>
                               <p:par>
-                                <p:cTn id="16" presetID="10" presetClass="entr" presetSubtype="0" fill="hold" grpId="0" nodeType="clickEffect">
+                                <p:cTn id="16" presetID="10" presetClass="entr" presetSubtype="0" fill="hold" grpId="0" nodeType="withEffect">
                                   <p:stCondLst>
                                     <p:cond delay="0"/>
                                   </p:stCondLst>
@@ -31366,15 +31045,33 @@
                                   </p:subTnLst>
                                 </p:cTn>
                               </p:par>
+                            </p:childTnLst>
+                          </p:cTn>
+                        </p:par>
+                      </p:childTnLst>
+                    </p:cTn>
+                  </p:par>
+                  <p:par>
+                    <p:cTn id="25" fill="hold">
+                      <p:stCondLst>
+                        <p:cond delay="indefinite"/>
+                      </p:stCondLst>
+                      <p:childTnLst>
+                        <p:par>
+                          <p:cTn id="26" fill="hold">
+                            <p:stCondLst>
+                              <p:cond delay="0"/>
+                            </p:stCondLst>
+                            <p:childTnLst>
                               <p:par>
-                                <p:cTn id="25" presetID="10" presetClass="entr" presetSubtype="0" fill="hold" grpId="0" nodeType="withEffect">
+                                <p:cTn id="27" presetID="10" presetClass="entr" presetSubtype="0" fill="hold" grpId="0" nodeType="clickEffect">
                                   <p:stCondLst>
                                     <p:cond delay="0"/>
                                   </p:stCondLst>
                                   <p:childTnLst>
                                     <p:set>
                                       <p:cBhvr>
-                                        <p:cTn id="26" dur="1" fill="hold">
+                                        <p:cTn id="28" dur="1" fill="hold">
                                           <p:stCondLst>
                                             <p:cond delay="0"/>
                                           </p:stCondLst>
@@ -31396,7 +31093,7 @@
                                     </p:set>
                                     <p:animEffect transition="in" filter="fade">
                                       <p:cBhvr>
-                                        <p:cTn id="27" dur="500"/>
+                                        <p:cTn id="29" dur="500"/>
                                         <p:tgtEl>
                                           <p:spTgt spid="3">
                                             <p:txEl>
@@ -31429,26 +31126,8 @@
                                   </p:subTnLst>
                                 </p:cTn>
                               </p:par>
-                            </p:childTnLst>
-                          </p:cTn>
-                        </p:par>
-                      </p:childTnLst>
-                    </p:cTn>
-                  </p:par>
-                  <p:par>
-                    <p:cTn id="28" fill="hold">
-                      <p:stCondLst>
-                        <p:cond delay="indefinite"/>
-                      </p:stCondLst>
-                      <p:childTnLst>
-                        <p:par>
-                          <p:cTn id="29" fill="hold">
-                            <p:stCondLst>
-                              <p:cond delay="0"/>
-                            </p:stCondLst>
-                            <p:childTnLst>
                               <p:par>
-                                <p:cTn id="30" presetID="10" presetClass="entr" presetSubtype="0" fill="hold" grpId="0" nodeType="clickEffect">
+                                <p:cTn id="30" presetID="10" presetClass="entr" presetSubtype="0" fill="hold" grpId="0" nodeType="withEffect">
                                   <p:stCondLst>
                                     <p:cond delay="0"/>
                                   </p:stCondLst>
@@ -31573,69 +31252,6 @@
                                   </p:subTnLst>
                                 </p:cTn>
                               </p:par>
-                              <p:par>
-                                <p:cTn id="36" presetID="10" presetClass="entr" presetSubtype="0" fill="hold" grpId="0" nodeType="withEffect">
-                                  <p:stCondLst>
-                                    <p:cond delay="0"/>
-                                  </p:stCondLst>
-                                  <p:childTnLst>
-                                    <p:set>
-                                      <p:cBhvr>
-                                        <p:cTn id="37" dur="1" fill="hold">
-                                          <p:stCondLst>
-                                            <p:cond delay="0"/>
-                                          </p:stCondLst>
-                                        </p:cTn>
-                                        <p:tgtEl>
-                                          <p:spTgt spid="3">
-                                            <p:txEl>
-                                              <p:pRg st="9" end="9"/>
-                                            </p:txEl>
-                                          </p:spTgt>
-                                        </p:tgtEl>
-                                        <p:attrNameLst>
-                                          <p:attrName>style.visibility</p:attrName>
-                                        </p:attrNameLst>
-                                      </p:cBhvr>
-                                      <p:to>
-                                        <p:strVal val="visible"/>
-                                      </p:to>
-                                    </p:set>
-                                    <p:animEffect transition="in" filter="fade">
-                                      <p:cBhvr>
-                                        <p:cTn id="38" dur="500"/>
-                                        <p:tgtEl>
-                                          <p:spTgt spid="3">
-                                            <p:txEl>
-                                              <p:pRg st="9" end="9"/>
-                                            </p:txEl>
-                                          </p:spTgt>
-                                        </p:tgtEl>
-                                      </p:cBhvr>
-                                    </p:animEffect>
-                                  </p:childTnLst>
-                                  <p:subTnLst>
-                                    <p:animClr clrSpc="rgb" dir="cw">
-                                      <p:cBhvr override="childStyle">
-                                        <p:cTn dur="1" fill="hold" display="0" masterRel="nextClick" afterEffect="1"/>
-                                        <p:tgtEl>
-                                          <p:spTgt spid="3">
-                                            <p:txEl>
-                                              <p:pRg st="9" end="9"/>
-                                            </p:txEl>
-                                          </p:spTgt>
-                                        </p:tgtEl>
-                                        <p:attrNameLst>
-                                          <p:attrName>ppt_c</p:attrName>
-                                        </p:attrNameLst>
-                                      </p:cBhvr>
-                                      <p:to>
-                                        <a:srgbClr val="B2B2B2"/>
-                                      </p:to>
-                                    </p:animClr>
-                                  </p:subTnLst>
-                                </p:cTn>
-                              </p:par>
                             </p:childTnLst>
                           </p:cTn>
                         </p:par>
@@ -31643,26 +31259,26 @@
                     </p:cTn>
                   </p:par>
                   <p:par>
-                    <p:cTn id="39" fill="hold">
+                    <p:cTn id="36" fill="hold">
                       <p:stCondLst>
                         <p:cond delay="indefinite"/>
                       </p:stCondLst>
                       <p:childTnLst>
                         <p:par>
-                          <p:cTn id="40" fill="hold">
+                          <p:cTn id="37" fill="hold">
                             <p:stCondLst>
                               <p:cond delay="0"/>
                             </p:stCondLst>
                             <p:childTnLst>
                               <p:par>
-                                <p:cTn id="41" presetID="10" presetClass="entr" presetSubtype="0" fill="hold" grpId="0" nodeType="clickEffect">
+                                <p:cTn id="38" presetID="10" presetClass="entr" presetSubtype="0" fill="hold" grpId="0" nodeType="clickEffect">
                                   <p:stCondLst>
                                     <p:cond delay="0"/>
                                   </p:stCondLst>
                                   <p:childTnLst>
                                     <p:set>
                                       <p:cBhvr>
-                                        <p:cTn id="42" dur="1" fill="hold">
+                                        <p:cTn id="39" dur="1" fill="hold">
                                           <p:stCondLst>
                                             <p:cond delay="0"/>
                                           </p:stCondLst>
@@ -31670,7 +31286,7 @@
                                         <p:tgtEl>
                                           <p:spTgt spid="3">
                                             <p:txEl>
-                                              <p:pRg st="10" end="10"/>
+                                              <p:pRg st="9" end="9"/>
                                             </p:txEl>
                                           </p:spTgt>
                                         </p:tgtEl>
@@ -31684,11 +31300,11 @@
                                     </p:set>
                                     <p:animEffect transition="in" filter="fade">
                                       <p:cBhvr>
-                                        <p:cTn id="43" dur="500"/>
-                                        <p:tgtEl>
-                                          <p:spTgt spid="3">
-                                            <p:txEl>
-                                              <p:pRg st="10" end="10"/>
+                                        <p:cTn id="40" dur="500"/>
+                                        <p:tgtEl>
+                                          <p:spTgt spid="3">
+                                            <p:txEl>
+                                              <p:pRg st="9" end="9"/>
                                             </p:txEl>
                                           </p:spTgt>
                                         </p:tgtEl>
@@ -31702,7 +31318,7 @@
                                         <p:tgtEl>
                                           <p:spTgt spid="3">
                                             <p:txEl>
-                                              <p:pRg st="10" end="10"/>
+                                              <p:pRg st="9" end="9"/>
                                             </p:txEl>
                                           </p:spTgt>
                                         </p:tgtEl>

--- a/2022-05-11-NDCLondon-DatabaseDevOps/database-devops.pptx
+++ b/2022-05-11-NDCLondon-DatabaseDevOps/database-devops.pptx
@@ -34,7 +34,7 @@
     <p:sldId id="359" r:id="rId25"/>
     <p:sldId id="357" r:id="rId26"/>
     <p:sldId id="340" r:id="rId27"/>
-    <p:sldId id="356" r:id="rId28"/>
+    <p:sldId id="394" r:id="rId28"/>
     <p:sldId id="348" r:id="rId29"/>
     <p:sldId id="347" r:id="rId30"/>
     <p:sldId id="343" r:id="rId31"/>
@@ -2229,7 +2229,7 @@
     </p:spTree>
     <p:extLst>
       <p:ext uri="{BB962C8B-B14F-4D97-AF65-F5344CB8AC3E}">
-        <p14:creationId xmlns:p14="http://schemas.microsoft.com/office/powerpoint/2010/main" val="3997215496"/>
+        <p14:creationId xmlns:p14="http://schemas.microsoft.com/office/powerpoint/2010/main" val="3283724353"/>
       </p:ext>
     </p:extLst>
   </p:cSld>
@@ -6684,7 +6684,7 @@
                 <a:ea typeface="Open Sans" panose="020B0606030504020204" pitchFamily="34" charset="0"/>
                 <a:cs typeface="Open Sans" panose="020B0606030504020204" pitchFamily="34" charset="0"/>
               </a:rPr>
-              <a:t>Database DevOps</a:t>
+              <a:t>DevOps for Databases</a:t>
             </a:r>
           </a:p>
         </p:txBody>
@@ -20258,29 +20258,53 @@
       </p:grpSpPr>
       <p:sp>
         <p:nvSpPr>
-          <p:cNvPr id="2" name="Title 1"/>
-          <p:cNvSpPr>
-            <a:spLocks noGrp="1"/>
-          </p:cNvSpPr>
-          <p:nvPr>
-            <p:ph type="title"/>
-          </p:nvPr>
+          <p:cNvPr id="6" name="Rectangle 5">
+            <a:extLst>
+              <a:ext uri="{FF2B5EF4-FFF2-40B4-BE49-F238E27FC236}">
+                <a16:creationId xmlns:a16="http://schemas.microsoft.com/office/drawing/2014/main" id="{99441F67-7D0A-462B-B373-BE7FAC083242}"/>
+              </a:ext>
+            </a:extLst>
+          </p:cNvPr>
+          <p:cNvSpPr/>
+          <p:nvPr/>
         </p:nvSpPr>
-        <p:spPr/>
+        <p:spPr>
+          <a:xfrm>
+            <a:off x="-19458" y="-6059"/>
+            <a:ext cx="12211458" cy="6864059"/>
+          </a:xfrm>
+          <a:prstGeom prst="rect">
+            <a:avLst/>
+          </a:prstGeom>
+          <a:solidFill>
+            <a:srgbClr val="0F69B6"/>
+          </a:solidFill>
+          <a:ln>
+            <a:noFill/>
+          </a:ln>
+        </p:spPr>
+        <p:style>
+          <a:lnRef idx="2">
+            <a:schemeClr val="accent1">
+              <a:shade val="50000"/>
+            </a:schemeClr>
+          </a:lnRef>
+          <a:fillRef idx="1">
+            <a:schemeClr val="accent1"/>
+          </a:fillRef>
+          <a:effectRef idx="0">
+            <a:schemeClr val="accent1"/>
+          </a:effectRef>
+          <a:fontRef idx="minor">
+            <a:schemeClr val="lt1"/>
+          </a:fontRef>
+        </p:style>
         <p:txBody>
-          <a:bodyPr/>
+          <a:bodyPr rtlCol="0" anchor="ctr"/>
           <a:lstStyle/>
           <a:p>
-            <a:r>
-              <a:rPr lang="en-US" dirty="0">
-                <a:solidFill>
-                  <a:schemeClr val="bg1">
-                    <a:lumMod val="65000"/>
-                  </a:schemeClr>
-                </a:solidFill>
-              </a:rPr>
-              <a:t>Workflow Demo</a:t>
-            </a:r>
+            <a:pPr algn="ctr"/>
+            <a:endParaRPr lang="en-GB"/>
           </a:p>
         </p:txBody>
       </p:sp>
@@ -20294,343 +20318,49 @@
             <p:ph idx="1"/>
           </p:nvPr>
         </p:nvSpPr>
-        <p:spPr/>
+        <p:spPr>
+          <a:xfrm>
+            <a:off x="838200" y="-6060"/>
+            <a:ext cx="10515600" cy="6864059"/>
+          </a:xfrm>
+        </p:spPr>
         <p:txBody>
-          <a:bodyPr/>
+          <a:bodyPr anchor="ctr">
+            <a:normAutofit/>
+          </a:bodyPr>
           <a:lstStyle/>
           <a:p>
+            <a:pPr marL="0" indent="0" algn="ctr">
+              <a:buNone/>
+            </a:pPr>
             <a:r>
-              <a:rPr lang="en-US" dirty="0"/>
-              <a:t>Demo</a:t>
+              <a:rPr lang="en-US" sz="6600" dirty="0">
+                <a:solidFill>
+                  <a:schemeClr val="bg1"/>
+                </a:solidFill>
+              </a:rPr>
+              <a:t>Demo using</a:t>
             </a:r>
           </a:p>
           <a:p>
+            <a:pPr marL="0" indent="0" algn="ctr">
+              <a:buNone/>
+            </a:pPr>
             <a:r>
-              <a:rPr lang="en-US" dirty="0"/>
-              <a:t>Add Migration</a:t>
-            </a:r>
-          </a:p>
-          <a:p>
-            <a:r>
-              <a:rPr lang="en-US" dirty="0"/>
-              <a:t>Reviewed by DBA/senior person</a:t>
-            </a:r>
-          </a:p>
-          <a:p>
-            <a:r>
-              <a:rPr lang="en-US" dirty="0"/>
-              <a:t>Build verification of commit</a:t>
-            </a:r>
-          </a:p>
-          <a:p>
-            <a:r>
-              <a:rPr lang="en-US" dirty="0"/>
-              <a:t>Deploy changes to databases</a:t>
-            </a:r>
-          </a:p>
-          <a:p>
-            <a:r>
-              <a:rPr lang="en-US" dirty="0"/>
-              <a:t>Promote through environments</a:t>
+              <a:rPr lang="en-US" sz="6600" dirty="0">
+                <a:solidFill>
+                  <a:schemeClr val="bg1"/>
+                </a:solidFill>
+              </a:rPr>
+              <a:t>Flyway + GitHub Actions</a:t>
             </a:r>
           </a:p>
         </p:txBody>
       </p:sp>
-      <p:grpSp>
-        <p:nvGrpSpPr>
-          <p:cNvPr id="12" name="Group 11">
-            <a:extLst>
-              <a:ext uri="{FF2B5EF4-FFF2-40B4-BE49-F238E27FC236}">
-                <a16:creationId xmlns:a16="http://schemas.microsoft.com/office/drawing/2014/main" id="{7D8B88D8-5948-4E4C-A6F6-B20E70100A81}"/>
-              </a:ext>
-            </a:extLst>
-          </p:cNvPr>
-          <p:cNvGrpSpPr/>
-          <p:nvPr/>
-        </p:nvGrpSpPr>
-        <p:grpSpPr>
-          <a:xfrm>
-            <a:off x="9970651" y="6185410"/>
-            <a:ext cx="2130724" cy="474323"/>
-            <a:chOff x="9970651" y="6185410"/>
-            <a:chExt cx="2130724" cy="474323"/>
-          </a:xfrm>
-        </p:grpSpPr>
-        <p:sp>
-          <p:nvSpPr>
-            <p:cNvPr id="13" name="Subtitle 2">
-              <a:extLst>
-                <a:ext uri="{FF2B5EF4-FFF2-40B4-BE49-F238E27FC236}">
-                  <a16:creationId xmlns:a16="http://schemas.microsoft.com/office/drawing/2014/main" id="{2A19519F-4567-4157-8589-AEC8D0BB7051}"/>
-                </a:ext>
-              </a:extLst>
-            </p:cNvPr>
-            <p:cNvSpPr txBox="1">
-              <a:spLocks/>
-            </p:cNvSpPr>
-            <p:nvPr/>
-          </p:nvSpPr>
-          <p:spPr>
-            <a:xfrm>
-              <a:off x="10041147" y="6185410"/>
-              <a:ext cx="2060228" cy="474323"/>
-            </a:xfrm>
-            <a:prstGeom prst="rect">
-              <a:avLst/>
-            </a:prstGeom>
-          </p:spPr>
-          <p:txBody>
-            <a:bodyPr vert="horz" lIns="91440" tIns="45720" rIns="91440" bIns="45720" rtlCol="0">
-              <a:normAutofit/>
-            </a:bodyPr>
-            <a:lstStyle>
-              <a:lvl1pPr marL="0" indent="0" algn="ctr" defTabSz="914400" rtl="0" eaLnBrk="1" latinLnBrk="0" hangingPunct="1">
-                <a:lnSpc>
-                  <a:spcPct val="90000"/>
-                </a:lnSpc>
-                <a:spcBef>
-                  <a:spcPts val="1000"/>
-                </a:spcBef>
-                <a:buFont typeface="Arial" panose="020B0604020202020204" pitchFamily="34" charset="0"/>
-                <a:buNone/>
-                <a:defRPr sz="2400" kern="1200">
-                  <a:solidFill>
-                    <a:schemeClr val="tx1"/>
-                  </a:solidFill>
-                  <a:latin typeface="+mn-lt"/>
-                  <a:ea typeface="+mn-ea"/>
-                  <a:cs typeface="+mn-cs"/>
-                </a:defRPr>
-              </a:lvl1pPr>
-              <a:lvl2pPr marL="457200" indent="0" algn="ctr" defTabSz="914400" rtl="0" eaLnBrk="1" latinLnBrk="0" hangingPunct="1">
-                <a:lnSpc>
-                  <a:spcPct val="90000"/>
-                </a:lnSpc>
-                <a:spcBef>
-                  <a:spcPts val="500"/>
-                </a:spcBef>
-                <a:buFont typeface="Arial" panose="020B0604020202020204" pitchFamily="34" charset="0"/>
-                <a:buNone/>
-                <a:defRPr sz="2000" kern="1200">
-                  <a:solidFill>
-                    <a:schemeClr val="tx1"/>
-                  </a:solidFill>
-                  <a:latin typeface="+mn-lt"/>
-                  <a:ea typeface="+mn-ea"/>
-                  <a:cs typeface="+mn-cs"/>
-                </a:defRPr>
-              </a:lvl2pPr>
-              <a:lvl3pPr marL="914400" indent="0" algn="ctr" defTabSz="914400" rtl="0" eaLnBrk="1" latinLnBrk="0" hangingPunct="1">
-                <a:lnSpc>
-                  <a:spcPct val="90000"/>
-                </a:lnSpc>
-                <a:spcBef>
-                  <a:spcPts val="500"/>
-                </a:spcBef>
-                <a:buFont typeface="Arial" panose="020B0604020202020204" pitchFamily="34" charset="0"/>
-                <a:buNone/>
-                <a:defRPr sz="1800" kern="1200">
-                  <a:solidFill>
-                    <a:schemeClr val="tx1"/>
-                  </a:solidFill>
-                  <a:latin typeface="+mn-lt"/>
-                  <a:ea typeface="+mn-ea"/>
-                  <a:cs typeface="+mn-cs"/>
-                </a:defRPr>
-              </a:lvl3pPr>
-              <a:lvl4pPr marL="1371600" indent="0" algn="ctr" defTabSz="914400" rtl="0" eaLnBrk="1" latinLnBrk="0" hangingPunct="1">
-                <a:lnSpc>
-                  <a:spcPct val="90000"/>
-                </a:lnSpc>
-                <a:spcBef>
-                  <a:spcPts val="500"/>
-                </a:spcBef>
-                <a:buFont typeface="Arial" panose="020B0604020202020204" pitchFamily="34" charset="0"/>
-                <a:buNone/>
-                <a:defRPr sz="1600" kern="1200">
-                  <a:solidFill>
-                    <a:schemeClr val="tx1"/>
-                  </a:solidFill>
-                  <a:latin typeface="+mn-lt"/>
-                  <a:ea typeface="+mn-ea"/>
-                  <a:cs typeface="+mn-cs"/>
-                </a:defRPr>
-              </a:lvl4pPr>
-              <a:lvl5pPr marL="1828800" indent="0" algn="ctr" defTabSz="914400" rtl="0" eaLnBrk="1" latinLnBrk="0" hangingPunct="1">
-                <a:lnSpc>
-                  <a:spcPct val="90000"/>
-                </a:lnSpc>
-                <a:spcBef>
-                  <a:spcPts val="500"/>
-                </a:spcBef>
-                <a:buFont typeface="Arial" panose="020B0604020202020204" pitchFamily="34" charset="0"/>
-                <a:buNone/>
-                <a:defRPr sz="1600" kern="1200">
-                  <a:solidFill>
-                    <a:schemeClr val="tx1"/>
-                  </a:solidFill>
-                  <a:latin typeface="+mn-lt"/>
-                  <a:ea typeface="+mn-ea"/>
-                  <a:cs typeface="+mn-cs"/>
-                </a:defRPr>
-              </a:lvl5pPr>
-              <a:lvl6pPr marL="2286000" indent="0" algn="ctr" defTabSz="914400" rtl="0" eaLnBrk="1" latinLnBrk="0" hangingPunct="1">
-                <a:lnSpc>
-                  <a:spcPct val="90000"/>
-                </a:lnSpc>
-                <a:spcBef>
-                  <a:spcPts val="500"/>
-                </a:spcBef>
-                <a:buFont typeface="Arial" panose="020B0604020202020204" pitchFamily="34" charset="0"/>
-                <a:buNone/>
-                <a:defRPr sz="1600" kern="1200">
-                  <a:solidFill>
-                    <a:schemeClr val="tx1"/>
-                  </a:solidFill>
-                  <a:latin typeface="+mn-lt"/>
-                  <a:ea typeface="+mn-ea"/>
-                  <a:cs typeface="+mn-cs"/>
-                </a:defRPr>
-              </a:lvl6pPr>
-              <a:lvl7pPr marL="2743200" indent="0" algn="ctr" defTabSz="914400" rtl="0" eaLnBrk="1" latinLnBrk="0" hangingPunct="1">
-                <a:lnSpc>
-                  <a:spcPct val="90000"/>
-                </a:lnSpc>
-                <a:spcBef>
-                  <a:spcPts val="500"/>
-                </a:spcBef>
-                <a:buFont typeface="Arial" panose="020B0604020202020204" pitchFamily="34" charset="0"/>
-                <a:buNone/>
-                <a:defRPr sz="1600" kern="1200">
-                  <a:solidFill>
-                    <a:schemeClr val="tx1"/>
-                  </a:solidFill>
-                  <a:latin typeface="+mn-lt"/>
-                  <a:ea typeface="+mn-ea"/>
-                  <a:cs typeface="+mn-cs"/>
-                </a:defRPr>
-              </a:lvl7pPr>
-              <a:lvl8pPr marL="3200400" indent="0" algn="ctr" defTabSz="914400" rtl="0" eaLnBrk="1" latinLnBrk="0" hangingPunct="1">
-                <a:lnSpc>
-                  <a:spcPct val="90000"/>
-                </a:lnSpc>
-                <a:spcBef>
-                  <a:spcPts val="500"/>
-                </a:spcBef>
-                <a:buFont typeface="Arial" panose="020B0604020202020204" pitchFamily="34" charset="0"/>
-                <a:buNone/>
-                <a:defRPr sz="1600" kern="1200">
-                  <a:solidFill>
-                    <a:schemeClr val="tx1"/>
-                  </a:solidFill>
-                  <a:latin typeface="+mn-lt"/>
-                  <a:ea typeface="+mn-ea"/>
-                  <a:cs typeface="+mn-cs"/>
-                </a:defRPr>
-              </a:lvl8pPr>
-              <a:lvl9pPr marL="3657600" indent="0" algn="ctr" defTabSz="914400" rtl="0" eaLnBrk="1" latinLnBrk="0" hangingPunct="1">
-                <a:lnSpc>
-                  <a:spcPct val="90000"/>
-                </a:lnSpc>
-                <a:spcBef>
-                  <a:spcPts val="500"/>
-                </a:spcBef>
-                <a:buFont typeface="Arial" panose="020B0604020202020204" pitchFamily="34" charset="0"/>
-                <a:buNone/>
-                <a:defRPr sz="1600" kern="1200">
-                  <a:solidFill>
-                    <a:schemeClr val="tx1"/>
-                  </a:solidFill>
-                  <a:latin typeface="+mn-lt"/>
-                  <a:ea typeface="+mn-ea"/>
-                  <a:cs typeface="+mn-cs"/>
-                </a:defRPr>
-              </a:lvl9pPr>
-            </a:lstStyle>
-            <a:p>
-              <a:r>
-                <a:rPr lang="en-US" dirty="0" err="1">
-                  <a:solidFill>
-                    <a:schemeClr val="bg1">
-                      <a:lumMod val="65000"/>
-                    </a:schemeClr>
-                  </a:solidFill>
-                </a:rPr>
-                <a:t>scottsauber</a:t>
-              </a:r>
-              <a:endParaRPr lang="en-US" dirty="0">
-                <a:solidFill>
-                  <a:schemeClr val="bg1">
-                    <a:lumMod val="65000"/>
-                  </a:schemeClr>
-                </a:solidFill>
-              </a:endParaRPr>
-            </a:p>
-          </p:txBody>
-        </p:sp>
-        <p:sp>
-          <p:nvSpPr>
-            <p:cNvPr id="14" name="Rectangle 13">
-              <a:extLst>
-                <a:ext uri="{FF2B5EF4-FFF2-40B4-BE49-F238E27FC236}">
-                  <a16:creationId xmlns:a16="http://schemas.microsoft.com/office/drawing/2014/main" id="{5E63F63E-2BAA-41B1-A1AA-84441D97CD62}"/>
-                </a:ext>
-              </a:extLst>
-            </p:cNvPr>
-            <p:cNvSpPr/>
-            <p:nvPr/>
-          </p:nvSpPr>
-          <p:spPr>
-            <a:xfrm>
-              <a:off x="9970651" y="6285411"/>
-              <a:ext cx="347472" cy="274320"/>
-            </a:xfrm>
-            <a:prstGeom prst="rect">
-              <a:avLst/>
-            </a:prstGeom>
-            <a:blipFill dpi="0" rotWithShape="1">
-              <a:blip r:embed="rId3">
-                <a:alphaModFix amt="50000"/>
-              </a:blip>
-              <a:srcRect/>
-              <a:stretch>
-                <a:fillRect/>
-              </a:stretch>
-            </a:blipFill>
-            <a:ln>
-              <a:noFill/>
-            </a:ln>
-          </p:spPr>
-          <p:style>
-            <a:lnRef idx="2">
-              <a:schemeClr val="accent1">
-                <a:shade val="50000"/>
-              </a:schemeClr>
-            </a:lnRef>
-            <a:fillRef idx="1">
-              <a:schemeClr val="accent1"/>
-            </a:fillRef>
-            <a:effectRef idx="0">
-              <a:schemeClr val="accent1"/>
-            </a:effectRef>
-            <a:fontRef idx="minor">
-              <a:schemeClr val="lt1"/>
-            </a:fontRef>
-          </p:style>
-          <p:txBody>
-            <a:bodyPr rtlCol="0" anchor="ctr"/>
-            <a:lstStyle/>
-            <a:p>
-              <a:pPr algn="ctr"/>
-              <a:endParaRPr lang="en-US"/>
-            </a:p>
-          </p:txBody>
-        </p:sp>
-      </p:grpSp>
     </p:spTree>
     <p:extLst>
       <p:ext uri="{BB962C8B-B14F-4D97-AF65-F5344CB8AC3E}">
-        <p14:creationId xmlns:p14="http://schemas.microsoft.com/office/powerpoint/2010/main" val="3579644127"/>
+        <p14:creationId xmlns:p14="http://schemas.microsoft.com/office/powerpoint/2010/main" val="3518440161"/>
       </p:ext>
     </p:extLst>
   </p:cSld>
@@ -25217,31 +24947,29 @@
           <a:p>
             <a:r>
               <a:rPr lang="en-US" dirty="0">
-                <a:hlinkClick r:id="rId4"/>
-              </a:rPr>
-              <a:t>https://github.com/scottsauber/dotfiles/blob/main/.bashrc</a:t>
-            </a:r>
-            <a:endParaRPr lang="en-US" dirty="0">
-              <a:hlinkClick r:id="rId3"/>
-            </a:endParaRPr>
-          </a:p>
-          <a:p>
-            <a:r>
-              <a:rPr lang="en-US" dirty="0">
                 <a:hlinkClick r:id="rId3"/>
               </a:rPr>
               <a:t>Redgate Simple Talk Blogs</a:t>
             </a:r>
             <a:endParaRPr lang="en-US" dirty="0">
-              <a:hlinkClick r:id="rId5"/>
+              <a:hlinkClick r:id="rId4"/>
             </a:endParaRPr>
+          </a:p>
+          <a:p>
+            <a:r>
+              <a:rPr lang="en-US" dirty="0">
+                <a:hlinkClick r:id="rId4"/>
+              </a:rPr>
+              <a:t>Redgate Database DevOps Blogs</a:t>
+            </a:r>
+            <a:endParaRPr lang="en-US" dirty="0"/>
           </a:p>
           <a:p>
             <a:r>
               <a:rPr lang="en-US" dirty="0">
                 <a:hlinkClick r:id="rId5"/>
               </a:rPr>
-              <a:t>Redgate Database DevOps Blogs</a:t>
+              <a:t>State of DB DevOps 2021 Survey</a:t>
             </a:r>
             <a:endParaRPr lang="en-US" dirty="0"/>
           </a:p>
@@ -25249,21 +24977,12 @@
             <a:r>
               <a:rPr lang="en-US" dirty="0">
                 <a:hlinkClick r:id="rId6"/>
-              </a:rPr>
-              <a:t>State of DB DevOps 2021 Survey</a:t>
-            </a:r>
-            <a:endParaRPr lang="en-US" dirty="0"/>
-          </a:p>
-          <a:p>
-            <a:r>
-              <a:rPr lang="en-US" dirty="0">
-                <a:hlinkClick r:id="rId7"/>
               </a:rPr>
               <a:t>DB DevOps with Jeffrey Palermo and Paul </a:t>
             </a:r>
             <a:r>
               <a:rPr lang="en-US" dirty="0" err="1">
-                <a:hlinkClick r:id="rId7"/>
+                <a:hlinkClick r:id="rId6"/>
               </a:rPr>
               <a:t>Stovell</a:t>
             </a:r>
@@ -25729,7 +25448,7 @@
               <a:avLst/>
             </a:prstGeom>
             <a:blipFill dpi="0" rotWithShape="1">
-              <a:blip r:embed="rId8">
+              <a:blip r:embed="rId7">
                 <a:alphaModFix amt="50000"/>
               </a:blip>
               <a:srcRect/>

--- a/2022-05-11-NDCLondon-DatabaseDevOps/database-devops.pptx
+++ b/2022-05-11-NDCLondon-DatabaseDevOps/database-devops.pptx
@@ -231,7 +231,7 @@
           <a:p>
             <a:fld id="{70C078E8-F4E8-4F0D-BC96-A6FC316E7AB2}" type="datetimeFigureOut">
               <a:rPr lang="en-US" smtClean="0"/>
-              <a:t>5/10/2022</a:t>
+              <a:t>5/11/2022</a:t>
             </a:fld>
             <a:endParaRPr lang="en-US"/>
           </a:p>
@@ -544,25 +544,62 @@
           <a:p>
             <a:r>
               <a:rPr lang="en-US" dirty="0"/>
-              <a:t>Login to GH</a:t>
+              <a:t>Login to GH as me</a:t>
             </a:r>
           </a:p>
           <a:p>
             <a:r>
               <a:rPr lang="en-US" dirty="0"/>
-              <a:t>Login to GH incognito</a:t>
+              <a:t>Login to GH incognito as </a:t>
             </a:r>
+            <a:r>
+              <a:rPr lang="en-US" dirty="0" err="1"/>
+              <a:t>scottsauberthedba</a:t>
+            </a:r>
+            <a:endParaRPr lang="en-US" dirty="0"/>
           </a:p>
           <a:p>
             <a:r>
               <a:rPr lang="en-US" dirty="0"/>
-              <a:t>Reset </a:t>
+              <a:t>Open VS Code to database-</a:t>
+            </a:r>
+            <a:r>
+              <a:rPr lang="en-US" dirty="0" err="1"/>
+              <a:t>devops</a:t>
+            </a:r>
+            <a:r>
+              <a:rPr lang="en-US" dirty="0"/>
+              <a:t> project</a:t>
+            </a:r>
+          </a:p>
+          <a:p>
+            <a:r>
+              <a:rPr lang="en-US" dirty="0"/>
+              <a:t>Open Data Grip</a:t>
+            </a:r>
+          </a:p>
+          <a:p>
+            <a:r>
+              <a:rPr lang="en-US" dirty="0"/>
+              <a:t>Make sure docker compose down has been ran</a:t>
+            </a:r>
+          </a:p>
+          <a:p>
+            <a:r>
+              <a:rPr lang="en-US" dirty="0"/>
+              <a:t>Try to connect to Postgres Azure DBs to make </a:t>
             </a:r>
             <a:r>
               <a:rPr lang="en-US"/>
-              <a:t>databases back to 0</a:t>
+              <a:t>sure that’s good</a:t>
             </a:r>
             <a:endParaRPr lang="en-US" dirty="0"/>
+          </a:p>
+          <a:p>
+            <a:r>
+              <a:rPr lang="en-US" dirty="0"/>
+              <a:t>Reset databases back to 0</a:t>
+            </a:r>
           </a:p>
         </p:txBody>
       </p:sp>
@@ -3572,7 +3609,7 @@
           <a:p>
             <a:fld id="{1A288F0F-0AC1-4BBB-9678-DF02E273273C}" type="datetimeFigureOut">
               <a:rPr lang="en-US" smtClean="0"/>
-              <a:t>5/10/2022</a:t>
+              <a:t>5/11/2022</a:t>
             </a:fld>
             <a:endParaRPr lang="en-US"/>
           </a:p>
@@ -3770,7 +3807,7 @@
           <a:p>
             <a:fld id="{1A288F0F-0AC1-4BBB-9678-DF02E273273C}" type="datetimeFigureOut">
               <a:rPr lang="en-US" smtClean="0"/>
-              <a:t>5/10/2022</a:t>
+              <a:t>5/11/2022</a:t>
             </a:fld>
             <a:endParaRPr lang="en-US"/>
           </a:p>
@@ -3978,7 +4015,7 @@
           <a:p>
             <a:fld id="{1A288F0F-0AC1-4BBB-9678-DF02E273273C}" type="datetimeFigureOut">
               <a:rPr lang="en-US" smtClean="0"/>
-              <a:t>5/10/2022</a:t>
+              <a:t>5/11/2022</a:t>
             </a:fld>
             <a:endParaRPr lang="en-US"/>
           </a:p>
@@ -4176,7 +4213,7 @@
           <a:p>
             <a:fld id="{1A288F0F-0AC1-4BBB-9678-DF02E273273C}" type="datetimeFigureOut">
               <a:rPr lang="en-US" smtClean="0"/>
-              <a:t>5/10/2022</a:t>
+              <a:t>5/11/2022</a:t>
             </a:fld>
             <a:endParaRPr lang="en-US"/>
           </a:p>
@@ -4451,7 +4488,7 @@
           <a:p>
             <a:fld id="{1A288F0F-0AC1-4BBB-9678-DF02E273273C}" type="datetimeFigureOut">
               <a:rPr lang="en-US" smtClean="0"/>
-              <a:t>5/10/2022</a:t>
+              <a:t>5/11/2022</a:t>
             </a:fld>
             <a:endParaRPr lang="en-US"/>
           </a:p>
@@ -4716,7 +4753,7 @@
           <a:p>
             <a:fld id="{1A288F0F-0AC1-4BBB-9678-DF02E273273C}" type="datetimeFigureOut">
               <a:rPr lang="en-US" smtClean="0"/>
-              <a:t>5/10/2022</a:t>
+              <a:t>5/11/2022</a:t>
             </a:fld>
             <a:endParaRPr lang="en-US"/>
           </a:p>
@@ -5128,7 +5165,7 @@
           <a:p>
             <a:fld id="{1A288F0F-0AC1-4BBB-9678-DF02E273273C}" type="datetimeFigureOut">
               <a:rPr lang="en-US" smtClean="0"/>
-              <a:t>5/10/2022</a:t>
+              <a:t>5/11/2022</a:t>
             </a:fld>
             <a:endParaRPr lang="en-US"/>
           </a:p>
@@ -5269,7 +5306,7 @@
           <a:p>
             <a:fld id="{1A288F0F-0AC1-4BBB-9678-DF02E273273C}" type="datetimeFigureOut">
               <a:rPr lang="en-US" smtClean="0"/>
-              <a:t>5/10/2022</a:t>
+              <a:t>5/11/2022</a:t>
             </a:fld>
             <a:endParaRPr lang="en-US"/>
           </a:p>
@@ -5382,7 +5419,7 @@
           <a:p>
             <a:fld id="{1A288F0F-0AC1-4BBB-9678-DF02E273273C}" type="datetimeFigureOut">
               <a:rPr lang="en-US" smtClean="0"/>
-              <a:t>5/10/2022</a:t>
+              <a:t>5/11/2022</a:t>
             </a:fld>
             <a:endParaRPr lang="en-US"/>
           </a:p>
@@ -5693,7 +5730,7 @@
           <a:p>
             <a:fld id="{1A288F0F-0AC1-4BBB-9678-DF02E273273C}" type="datetimeFigureOut">
               <a:rPr lang="en-US" smtClean="0"/>
-              <a:t>5/10/2022</a:t>
+              <a:t>5/11/2022</a:t>
             </a:fld>
             <a:endParaRPr lang="en-US"/>
           </a:p>
@@ -5981,7 +6018,7 @@
           <a:p>
             <a:fld id="{1A288F0F-0AC1-4BBB-9678-DF02E273273C}" type="datetimeFigureOut">
               <a:rPr lang="en-US" smtClean="0"/>
-              <a:t>5/10/2022</a:t>
+              <a:t>5/11/2022</a:t>
             </a:fld>
             <a:endParaRPr lang="en-US"/>
           </a:p>
@@ -6222,7 +6259,7 @@
           <a:p>
             <a:fld id="{1A288F0F-0AC1-4BBB-9678-DF02E273273C}" type="datetimeFigureOut">
               <a:rPr lang="en-US" smtClean="0"/>
-              <a:t>5/10/2022</a:t>
+              <a:t>5/11/2022</a:t>
             </a:fld>
             <a:endParaRPr lang="en-US"/>
           </a:p>

--- a/2022-05-11-NDCLondon-DatabaseDevOps/database-devops.pptx
+++ b/2022-05-11-NDCLondon-DatabaseDevOps/database-devops.pptx
@@ -587,13 +587,8 @@
           <a:p>
             <a:r>
               <a:rPr lang="en-US" dirty="0"/>
-              <a:t>Try to connect to Postgres Azure DBs to make </a:t>
+              <a:t>Try to connect to Postgres Azure DBs to make sure that’s good</a:t>
             </a:r>
-            <a:r>
-              <a:rPr lang="en-US"/>
-              <a:t>sure that’s good</a:t>
-            </a:r>
-            <a:endParaRPr lang="en-US" dirty="0"/>
           </a:p>
           <a:p>
             <a:r>
